--- a/lesson-react-70-testing/react-testing.pptx
+++ b/lesson-react-70-testing/react-testing.pptx
@@ -1974,7 +1974,7 @@
           <a:noFill/>
           <a:extLst>
             <a:ext uri="{909E8E84-426E-40dd-AFC4-6F175D3DCCD1}">
-              <a14:hiddenFill xmlns:a14="http://schemas.microsoft.com/office/drawing/2010/main" xmlns="">
+              <a14:hiddenFill xmlns="" xmlns:a14="http://schemas.microsoft.com/office/drawing/2010/main">
                 <a:solidFill>
                   <a:srgbClr val="FFFFFF"/>
                 </a:solidFill>
@@ -16884,7 +16884,40 @@
               <a:rPr lang="en-US" dirty="0" smtClean="0">
                 <a:sym typeface="Wingdings"/>
               </a:rPr>
-              <a:t>Also selector methods</a:t>
+              <a:t>Returns a </a:t>
+            </a:r>
+            <a:r>
+              <a:rPr lang="en-US" dirty="0" smtClean="0">
+                <a:solidFill>
+                  <a:srgbClr val="FF0000"/>
+                </a:solidFill>
+                <a:sym typeface="Wingdings"/>
+              </a:rPr>
+              <a:t>COPY</a:t>
+            </a:r>
+            <a:r>
+              <a:rPr lang="en-US" dirty="0" smtClean="0">
+                <a:sym typeface="Wingdings"/>
+              </a:rPr>
+              <a:t> of the element, not a reference</a:t>
+            </a:r>
+          </a:p>
+          <a:p>
+            <a:pPr marL="342900" indent="-342900">
+              <a:buFont typeface="Arial" charset="0"/>
+              <a:buChar char="•"/>
+            </a:pPr>
+            <a:r>
+              <a:rPr lang="en-US" dirty="0" smtClean="0">
+                <a:sym typeface="Wingdings"/>
+              </a:rPr>
+              <a:t>Also </a:t>
+            </a:r>
+            <a:r>
+              <a:rPr lang="en-US" dirty="0" smtClean="0">
+                <a:sym typeface="Wingdings"/>
+              </a:rPr>
+              <a:t>selector methods</a:t>
             </a:r>
           </a:p>
           <a:p>

--- a/lesson-react-70-testing/react-testing.pptx
+++ b/lesson-react-70-testing/react-testing.pptx
@@ -1974,7 +1974,7 @@
           <a:noFill/>
           <a:extLst>
             <a:ext uri="{909E8E84-426E-40dd-AFC4-6F175D3DCCD1}">
-              <a14:hiddenFill xmlns="" xmlns:a14="http://schemas.microsoft.com/office/drawing/2010/main">
+              <a14:hiddenFill xmlns:a14="http://schemas.microsoft.com/office/drawing/2010/main" xmlns="">
                 <a:solidFill>
                   <a:srgbClr val="FFFFFF"/>
                 </a:solidFill>
@@ -12019,7 +12019,11 @@
             </a:r>
             <a:r>
               <a:rPr lang="en-US" dirty="0" smtClean="0"/>
-              <a:t>]}&gt;&lt;span&gt;Click Here&lt;/span&gt;</a:t>
+              <a:t>]}&gt; &lt;</a:t>
+            </a:r>
+            <a:r>
+              <a:rPr lang="en-US" dirty="0" smtClean="0"/>
+              <a:t>span&gt;Click Here&lt;/span&gt;</a:t>
             </a:r>
             <a:r>
               <a:rPr lang="en-US" dirty="0"/>
@@ -12153,7 +12157,7 @@
             </a:pPr>
             <a:r>
               <a:rPr lang="en-US" dirty="0" smtClean="0"/>
-              <a:t>What is the value of the </a:t>
+              <a:t>What is the value of </a:t>
             </a:r>
             <a:r>
               <a:rPr lang="en-US" dirty="0" err="1" smtClean="0">
@@ -12310,7 +12314,15 @@
             </a:r>
             <a:r>
               <a:rPr lang="en-US" dirty="0"/>
-              <a:t>={[Function]}&gt;</a:t>
+              <a:t>={[Function</a:t>
+            </a:r>
+            <a:r>
+              <a:rPr lang="en-US" dirty="0" smtClean="0"/>
+              <a:t>]}&gt; &lt;span&gt;Click Here&lt;/span&gt; </a:t>
+            </a:r>
+            <a:r>
+              <a:rPr lang="en-US" dirty="0"/>
+              <a:t/>
             </a:r>
             <a:br>
               <a:rPr lang="en-US" dirty="0"/>
@@ -12628,7 +12640,15 @@
             </a:r>
             <a:r>
               <a:rPr lang="en-US" dirty="0"/>
-              <a:t>={[Function]}&gt;</a:t>
+              <a:t>={[Function</a:t>
+            </a:r>
+            <a:r>
+              <a:rPr lang="en-US" dirty="0"/>
+              <a:t>]}&gt; &lt;span&gt;Click Here&lt;/span&gt; </a:t>
+            </a:r>
+            <a:r>
+              <a:rPr lang="en-US" dirty="0"/>
+              <a:t/>
             </a:r>
             <a:br>
               <a:rPr lang="en-US" dirty="0"/>
@@ -12991,7 +13011,15 @@
             </a:r>
             <a:r>
               <a:rPr lang="en-US" dirty="0"/>
-              <a:t>={[Function]}&gt;</a:t>
+              <a:t>={[Function</a:t>
+            </a:r>
+            <a:r>
+              <a:rPr lang="en-US" dirty="0"/>
+              <a:t>]}&gt; &lt;span&gt;Click Here&lt;/span&gt; </a:t>
+            </a:r>
+            <a:r>
+              <a:rPr lang="en-US" dirty="0"/>
+              <a:t/>
             </a:r>
             <a:br>
               <a:rPr lang="en-US" dirty="0"/>
@@ -13362,7 +13390,15 @@
             </a:r>
             <a:r>
               <a:rPr lang="en-US" dirty="0"/>
-              <a:t>={[Function]}&gt;</a:t>
+              <a:t>={[Function</a:t>
+            </a:r>
+            <a:r>
+              <a:rPr lang="en-US" dirty="0"/>
+              <a:t>]}&gt; &lt;span&gt;Click Here&lt;/span&gt; </a:t>
+            </a:r>
+            <a:r>
+              <a:rPr lang="en-US" dirty="0"/>
+              <a:t/>
             </a:r>
             <a:br>
               <a:rPr lang="en-US" dirty="0"/>
@@ -13733,7 +13769,15 @@
             </a:r>
             <a:r>
               <a:rPr lang="en-US" dirty="0"/>
-              <a:t>={[Function]}&gt;</a:t>
+              <a:t>={[Function</a:t>
+            </a:r>
+            <a:r>
+              <a:rPr lang="en-US" dirty="0"/>
+              <a:t>]}&gt; &lt;span&gt;Click Here&lt;/span&gt; </a:t>
+            </a:r>
+            <a:r>
+              <a:rPr lang="en-US" dirty="0"/>
+              <a:t/>
             </a:r>
             <a:br>
               <a:rPr lang="en-US" dirty="0"/>
@@ -14307,7 +14351,11 @@
             </a:r>
             <a:r>
               <a:rPr lang="en-US" dirty="0" smtClean="0"/>
-              <a:t>]}&gt;&lt;span&gt;Click Here&lt;/span&gt;</a:t>
+              <a:t>]}&gt; &lt;</a:t>
+            </a:r>
+            <a:r>
+              <a:rPr lang="en-US" dirty="0" smtClean="0"/>
+              <a:t>span&gt;Click Here&lt;/span&gt;</a:t>
             </a:r>
             <a:r>
               <a:rPr lang="en-US" dirty="0"/>
@@ -14595,7 +14643,15 @@
             </a:r>
             <a:r>
               <a:rPr lang="en-US" dirty="0"/>
-              <a:t>={[Function]}&gt;</a:t>
+              <a:t>={[Function</a:t>
+            </a:r>
+            <a:r>
+              <a:rPr lang="en-US" dirty="0"/>
+              <a:t>]}&gt; &lt;span&gt;Click Here&lt;/span&gt; </a:t>
+            </a:r>
+            <a:r>
+              <a:rPr lang="en-US" dirty="0"/>
+              <a:t/>
             </a:r>
             <a:br>
               <a:rPr lang="en-US" dirty="0"/>
@@ -14905,7 +14961,15 @@
             </a:r>
             <a:r>
               <a:rPr lang="en-US" dirty="0"/>
-              <a:t>={[Function]}&gt;</a:t>
+              <a:t>={[Function</a:t>
+            </a:r>
+            <a:r>
+              <a:rPr lang="en-US" dirty="0"/>
+              <a:t>]}&gt; &lt;span&gt;Click Here&lt;/span&gt; </a:t>
+            </a:r>
+            <a:r>
+              <a:rPr lang="en-US" dirty="0"/>
+              <a:t/>
             </a:r>
             <a:br>
               <a:rPr lang="en-US" dirty="0"/>
@@ -15256,7 +15320,15 @@
             </a:r>
             <a:r>
               <a:rPr lang="en-US" dirty="0"/>
-              <a:t>={[Function]}&gt;</a:t>
+              <a:t>={[Function</a:t>
+            </a:r>
+            <a:r>
+              <a:rPr lang="en-US" dirty="0"/>
+              <a:t>]}&gt; &lt;span&gt;Click Here&lt;/span&gt; </a:t>
+            </a:r>
+            <a:r>
+              <a:rPr lang="en-US" dirty="0"/>
+              <a:t/>
             </a:r>
             <a:br>
               <a:rPr lang="en-US" dirty="0"/>
@@ -15776,35 +15848,6 @@
             </a:r>
           </a:p>
           <a:p>
-            <a:pPr marL="631825" lvl="1" indent="-342900">
-              <a:buFont typeface="Arial" charset="0"/>
-              <a:buChar char="•"/>
-            </a:pPr>
-            <a:r>
-              <a:rPr lang="en-US" dirty="0" smtClean="0"/>
-              <a:t>Static – In the middle </a:t>
-            </a:r>
-          </a:p>
-          <a:p>
-            <a:pPr marL="917575" lvl="2" indent="-342900">
-              <a:buFont typeface="Arial" charset="0"/>
-              <a:buChar char="•"/>
-            </a:pPr>
-            <a:r>
-              <a:rPr lang="en-US" dirty="0" smtClean="0"/>
-              <a:t>Uses 3</a:t>
-            </a:r>
-            <a:r>
-              <a:rPr lang="en-US" baseline="30000" dirty="0" smtClean="0"/>
-              <a:t>rd</a:t>
-            </a:r>
-            <a:r>
-              <a:rPr lang="en-US" dirty="0" smtClean="0"/>
-              <a:t> party for HTML parsing</a:t>
-            </a:r>
-            <a:endParaRPr lang="en-US" dirty="0"/>
-          </a:p>
-          <a:p>
             <a:pPr marL="917575" lvl="2" indent="-342900">
               <a:buFont typeface="Arial" charset="0"/>
               <a:buChar char="•"/>
@@ -15934,7 +15977,7 @@
               <a:t>, </a:t>
             </a:r>
             <a:r>
-              <a:rPr lang="en-US" sz="1600" b="1" dirty="0">
+              <a:rPr lang="en-US" sz="1600" b="1" dirty="0" smtClean="0">
                 <a:solidFill>
                   <a:srgbClr val="660E7A"/>
                 </a:solidFill>
@@ -15943,18 +15986,10 @@
             </a:r>
             <a:r>
               <a:rPr lang="en-US" sz="1600" dirty="0"/>
-              <a:t>, </a:t>
-            </a:r>
-            <a:r>
-              <a:rPr lang="en-US" sz="1600" b="1" dirty="0">
-                <a:solidFill>
-                  <a:srgbClr val="660E7A"/>
-                </a:solidFill>
-              </a:rPr>
-              <a:t>render </a:t>
-            </a:r>
-            <a:r>
-              <a:rPr lang="en-US" sz="1600" dirty="0"/>
+              <a:t> </a:t>
+            </a:r>
+            <a:r>
+              <a:rPr lang="en-US" sz="1600" dirty="0" smtClean="0"/>
               <a:t>} </a:t>
             </a:r>
             <a:r>
@@ -16158,40 +16193,16 @@
               <a:t>let </a:t>
             </a:r>
             <a:r>
-              <a:rPr lang="en-US" sz="1600" dirty="0">
+              <a:rPr lang="en-US" sz="1600" dirty="0" smtClean="0">
                 <a:solidFill>
                   <a:srgbClr val="458383"/>
                 </a:solidFill>
               </a:rPr>
-              <a:t>wrapper </a:t>
+              <a:t>wrapper;</a:t>
             </a:r>
             <a:r>
               <a:rPr lang="en-US" sz="1600" dirty="0"/>
-              <a:t>= </a:t>
-            </a:r>
-            <a:r>
-              <a:rPr lang="en-US" sz="1600" b="1" dirty="0">
-                <a:solidFill>
-                  <a:srgbClr val="660E7A"/>
-                </a:solidFill>
-              </a:rPr>
-              <a:t>render</a:t>
-            </a:r>
-            <a:r>
-              <a:rPr lang="en-US" sz="1600" dirty="0"/>
-              <a:t>( &lt;</a:t>
-            </a:r>
-            <a:r>
-              <a:rPr lang="en-US" sz="1600" b="1" dirty="0">
-                <a:solidFill>
-                  <a:srgbClr val="000080"/>
-                </a:solidFill>
-              </a:rPr>
-              <a:t>Hidden </a:t>
-            </a:r>
-            <a:r>
-              <a:rPr lang="en-US" sz="1600" dirty="0"/>
-              <a:t>/&gt; );</a:t>
+              <a:t/>
             </a:r>
             <a:br>
               <a:rPr lang="en-US" sz="1600" dirty="0"/>
@@ -16420,6 +16431,161 @@
           </a:p>
         </p:txBody>
       </p:sp>
+      <p:graphicFrame>
+        <p:nvGraphicFramePr>
+          <p:cNvPr id="4" name="Table 3"/>
+          <p:cNvGraphicFramePr>
+            <a:graphicFrameLocks noGrp="1"/>
+          </p:cNvGraphicFramePr>
+          <p:nvPr/>
+        </p:nvGraphicFramePr>
+        <p:xfrm>
+          <a:off x="0" y="0"/>
+          <a:ext cx="673100" cy="190500"/>
+        </p:xfrm>
+        <a:graphic>
+          <a:graphicData uri="http://schemas.openxmlformats.org/drawingml/2006/table">
+            <a:tbl>
+              <a:tblPr>
+                <a:tableStyleId>{5C22544A-7EE6-4342-B048-85BDC9FD1C3A}</a:tableStyleId>
+              </a:tblPr>
+              <a:tblGrid>
+                <a:gridCol w="673100"/>
+              </a:tblGrid>
+              <a:tr h="190500">
+                <a:tc>
+                  <a:txBody>
+                    <a:bodyPr/>
+                    <a:lstStyle/>
+                    <a:p>
+                      <a:pPr algn="l" fontAlgn="b"/>
+                      <a:endParaRPr lang="en-US" sz="1100" b="0" i="0" u="none" strike="noStrike" dirty="0">
+                        <a:solidFill>
+                          <a:srgbClr val="000000"/>
+                        </a:solidFill>
+                        <a:effectLst/>
+                        <a:latin typeface="Calibri" charset="0"/>
+                      </a:endParaRPr>
+                    </a:p>
+                  </a:txBody>
+                  <a:tcPr marL="6350" marR="6350" marT="6350" marB="0" anchor="b"/>
+                </a:tc>
+              </a:tr>
+            </a:tbl>
+          </a:graphicData>
+        </a:graphic>
+      </p:graphicFrame>
+      <p:cxnSp>
+        <p:nvCxnSpPr>
+          <p:cNvPr id="8" name="Straight Arrow Connector 7"/>
+          <p:cNvCxnSpPr/>
+          <p:nvPr/>
+        </p:nvCxnSpPr>
+        <p:spPr>
+          <a:xfrm flipH="1">
+            <a:off x="5903709" y="3272008"/>
+            <a:ext cx="1030491" cy="80793"/>
+          </a:xfrm>
+          <a:prstGeom prst="straightConnector1">
+            <a:avLst/>
+          </a:prstGeom>
+          <a:ln w="38100">
+            <a:solidFill>
+              <a:srgbClr val="FF0000"/>
+            </a:solidFill>
+            <a:tailEnd type="triangle"/>
+          </a:ln>
+        </p:spPr>
+        <p:style>
+          <a:lnRef idx="1">
+            <a:schemeClr val="accent1"/>
+          </a:lnRef>
+          <a:fillRef idx="0">
+            <a:schemeClr val="accent1"/>
+          </a:fillRef>
+          <a:effectRef idx="0">
+            <a:schemeClr val="accent1"/>
+          </a:effectRef>
+          <a:fontRef idx="minor">
+            <a:schemeClr val="tx1"/>
+          </a:fontRef>
+        </p:style>
+      </p:cxnSp>
+      <p:sp>
+        <p:nvSpPr>
+          <p:cNvPr id="9" name="TextBox 8"/>
+          <p:cNvSpPr txBox="1"/>
+          <p:nvPr/>
+        </p:nvSpPr>
+        <p:spPr>
+          <a:xfrm>
+            <a:off x="7036105" y="2999601"/>
+            <a:ext cx="1173293" cy="276999"/>
+          </a:xfrm>
+          <a:prstGeom prst="rect">
+            <a:avLst/>
+          </a:prstGeom>
+          <a:noFill/>
+        </p:spPr>
+        <p:txBody>
+          <a:bodyPr wrap="square" lIns="0" tIns="0" rIns="0" bIns="0" rtlCol="0">
+            <a:spAutoFit/>
+          </a:bodyPr>
+          <a:lstStyle/>
+          <a:p>
+            <a:pPr algn="ctr"/>
+            <a:r>
+              <a:rPr lang="en-US" dirty="0" smtClean="0">
+                <a:solidFill>
+                  <a:srgbClr val="FF0000"/>
+                </a:solidFill>
+              </a:rPr>
+              <a:t>Examples:</a:t>
+            </a:r>
+            <a:endParaRPr lang="en-US" dirty="0" smtClean="0">
+              <a:solidFill>
+                <a:srgbClr val="FF0000"/>
+              </a:solidFill>
+            </a:endParaRPr>
+          </a:p>
+        </p:txBody>
+      </p:sp>
+      <p:cxnSp>
+        <p:nvCxnSpPr>
+          <p:cNvPr id="10" name="Straight Arrow Connector 9"/>
+          <p:cNvCxnSpPr/>
+          <p:nvPr/>
+        </p:nvCxnSpPr>
+        <p:spPr>
+          <a:xfrm flipH="1" flipV="1">
+            <a:off x="5903709" y="2887795"/>
+            <a:ext cx="1030491" cy="173901"/>
+          </a:xfrm>
+          <a:prstGeom prst="straightConnector1">
+            <a:avLst/>
+          </a:prstGeom>
+          <a:ln w="38100">
+            <a:solidFill>
+              <a:srgbClr val="FF0000"/>
+            </a:solidFill>
+            <a:tailEnd type="triangle"/>
+          </a:ln>
+        </p:spPr>
+        <p:style>
+          <a:lnRef idx="1">
+            <a:schemeClr val="accent1"/>
+          </a:lnRef>
+          <a:fillRef idx="0">
+            <a:schemeClr val="accent1"/>
+          </a:fillRef>
+          <a:effectRef idx="0">
+            <a:schemeClr val="accent1"/>
+          </a:effectRef>
+          <a:fontRef idx="minor">
+            <a:schemeClr val="tx1"/>
+          </a:fontRef>
+        </p:style>
+      </p:cxnSp>
     </p:spTree>
     <p:extLst>
       <p:ext uri="{BB962C8B-B14F-4D97-AF65-F5344CB8AC3E}">
@@ -16514,9 +16680,43 @@
               <a:rPr lang="en-US" dirty="0" smtClean="0">
                 <a:sym typeface="Wingdings"/>
               </a:rPr>
-              <a:t> with string selector</a:t>
-            </a:r>
-            <a:endParaRPr lang="en-US" dirty="0" smtClean="0"/>
+              <a:t> with string </a:t>
+            </a:r>
+            <a:r>
+              <a:rPr lang="en-US" dirty="0" smtClean="0">
+                <a:sym typeface="Wingdings"/>
+              </a:rPr>
+              <a:t>selector, ”</a:t>
+            </a:r>
+            <a:r>
+              <a:rPr lang="en-US" dirty="0" err="1" smtClean="0">
+                <a:solidFill>
+                  <a:srgbClr val="FF0000"/>
+                </a:solidFill>
+                <a:sym typeface="Wingdings"/>
+              </a:rPr>
+              <a:t>p.none</a:t>
+            </a:r>
+            <a:r>
+              <a:rPr lang="en-US" dirty="0" smtClean="0">
+                <a:sym typeface="Wingdings"/>
+              </a:rPr>
+              <a:t>”, returns an </a:t>
+            </a:r>
+            <a:r>
+              <a:rPr lang="en-US" dirty="0" smtClean="0">
+                <a:solidFill>
+                  <a:srgbClr val="FF0000"/>
+                </a:solidFill>
+                <a:sym typeface="Wingdings"/>
+              </a:rPr>
+              <a:t>ARRAY</a:t>
+            </a:r>
+            <a:endParaRPr lang="en-US" dirty="0" smtClean="0">
+              <a:solidFill>
+                <a:srgbClr val="FF0000"/>
+              </a:solidFill>
+            </a:endParaRPr>
           </a:p>
           <a:p>
             <a:pPr marL="631825" lvl="1" indent="-342900">
@@ -16531,8 +16731,32 @@
               <a:rPr lang="en-US" dirty="0" smtClean="0">
                 <a:sym typeface="Wingdings"/>
               </a:rPr>
-              <a:t> type of element (a String in shallow)</a:t>
-            </a:r>
+              <a:t> type of element (a String in shallow</a:t>
+            </a:r>
+            <a:r>
+              <a:rPr lang="en-US" dirty="0" smtClean="0">
+                <a:sym typeface="Wingdings"/>
+              </a:rPr>
+              <a:t>), “</a:t>
+            </a:r>
+            <a:r>
+              <a:rPr lang="en-US" dirty="0" smtClean="0">
+                <a:solidFill>
+                  <a:srgbClr val="FF0000"/>
+                </a:solidFill>
+                <a:sym typeface="Wingdings"/>
+              </a:rPr>
+              <a:t>div</a:t>
+            </a:r>
+            <a:r>
+              <a:rPr lang="en-US" dirty="0" smtClean="0">
+                <a:sym typeface="Wingdings"/>
+              </a:rPr>
+              <a:t>”</a:t>
+            </a:r>
+            <a:endParaRPr lang="en-US" dirty="0" smtClean="0">
+              <a:sym typeface="Wingdings"/>
+            </a:endParaRPr>
           </a:p>
           <a:p>
             <a:pPr marL="631825" lvl="1" indent="-342900">
@@ -16791,51 +17015,57 @@
                 </a:solidFill>
                 <a:sym typeface="Wingdings"/>
               </a:rPr>
-              <a:t>.</a:t>
-            </a:r>
-            <a:r>
-              <a:rPr lang="en-US" dirty="0" err="1" smtClean="0">
-                <a:solidFill>
-                  <a:srgbClr val="FF0000"/>
-                </a:solidFill>
-                <a:sym typeface="Wingdings"/>
-              </a:rPr>
-              <a:t>none</a:t>
-            </a:r>
-            <a:r>
-              <a:rPr lang="en-US" dirty="0" err="1" smtClean="0">
-                <a:sym typeface="Wingdings"/>
-              </a:rPr>
-              <a:t>’,’</a:t>
-            </a:r>
-            <a:r>
-              <a:rPr lang="en-US" dirty="0" err="1" smtClean="0">
-                <a:solidFill>
-                  <a:srgbClr val="FF0000"/>
-                </a:solidFill>
-                <a:sym typeface="Wingdings"/>
-              </a:rPr>
-              <a:t>.block</a:t>
+              <a:t>.none</a:t>
             </a:r>
             <a:r>
               <a:rPr lang="en-US" dirty="0" smtClean="0">
                 <a:sym typeface="Wingdings"/>
               </a:rPr>
-              <a:t>’, ‘</a:t>
-            </a:r>
-            <a:r>
-              <a:rPr lang="en-US" dirty="0" err="1" smtClean="0">
+              <a:t>’,  ’</a:t>
+            </a:r>
+            <a:r>
+              <a:rPr lang="en-US" dirty="0" smtClean="0">
                 <a:solidFill>
                   <a:srgbClr val="FF0000"/>
                 </a:solidFill>
                 <a:sym typeface="Wingdings"/>
               </a:rPr>
-              <a:t>p.none</a:t>
+              <a:t>.</a:t>
+            </a:r>
+            <a:r>
+              <a:rPr lang="en-US" dirty="0" smtClean="0">
+                <a:solidFill>
+                  <a:srgbClr val="FF0000"/>
+                </a:solidFill>
+                <a:sym typeface="Wingdings"/>
+              </a:rPr>
+              <a:t>block</a:t>
             </a:r>
             <a:r>
               <a:rPr lang="en-US" dirty="0" smtClean="0">
                 <a:sym typeface="Wingdings"/>
               </a:rPr>
+              <a:t>’, </a:t>
+            </a:r>
+            <a:r>
+              <a:rPr lang="en-US" dirty="0" smtClean="0">
+                <a:sym typeface="Wingdings"/>
+              </a:rPr>
+              <a:t>  ‘</a:t>
+            </a:r>
+            <a:r>
+              <a:rPr lang="en-US" dirty="0" err="1" smtClean="0">
+                <a:solidFill>
+                  <a:srgbClr val="FF0000"/>
+                </a:solidFill>
+                <a:sym typeface="Wingdings"/>
+              </a:rPr>
+              <a:t>p.none</a:t>
+            </a:r>
+            <a:r>
+              <a:rPr lang="en-US" dirty="0" smtClean="0">
+                <a:sym typeface="Wingdings"/>
+              </a:rPr>
               <a:t>’</a:t>
             </a:r>
           </a:p>
@@ -16866,7 +17096,7 @@
                 </a:solidFill>
                 <a:sym typeface="Wingdings"/>
               </a:rPr>
-              <a:t>myComponent</a:t>
+              <a:t>myComponentId</a:t>
             </a:r>
             <a:r>
               <a:rPr lang="en-US" dirty="0" smtClean="0">
@@ -16874,6 +17104,9 @@
               </a:rPr>
               <a:t>’</a:t>
             </a:r>
+            <a:endParaRPr lang="en-US" dirty="0" smtClean="0">
+              <a:sym typeface="Wingdings"/>
+            </a:endParaRPr>
           </a:p>
           <a:p>
             <a:pPr marL="342900" indent="-342900">
@@ -16911,32 +17144,65 @@
               <a:rPr lang="en-US" dirty="0" smtClean="0">
                 <a:sym typeface="Wingdings"/>
               </a:rPr>
-              <a:t>Also </a:t>
+              <a:t>Also selector methods</a:t>
+            </a:r>
+          </a:p>
+          <a:p>
+            <a:pPr marL="631825" lvl="1" indent="-342900">
+              <a:buFont typeface="Arial" charset="0"/>
+              <a:buChar char="•"/>
+            </a:pPr>
+            <a:r>
+              <a:rPr lang="en-US" dirty="0">
+                <a:sym typeface="Wingdings"/>
+              </a:rPr>
+              <a:t>f</a:t>
             </a:r>
             <a:r>
               <a:rPr lang="en-US" dirty="0" smtClean="0">
                 <a:sym typeface="Wingdings"/>
               </a:rPr>
-              <a:t>selector methods</a:t>
-            </a:r>
-          </a:p>
-          <a:p>
-            <a:pPr marL="631825" lvl="1" indent="-342900">
-              <a:buFont typeface="Arial" charset="0"/>
-              <a:buChar char="•"/>
-            </a:pPr>
-            <a:r>
-              <a:rPr lang="en-US" dirty="0">
-                <a:sym typeface="Wingdings"/>
-              </a:rPr>
-              <a:t>f</a:t>
+              <a:t>irst</a:t>
             </a:r>
             <a:r>
               <a:rPr lang="en-US" dirty="0" smtClean="0">
                 <a:sym typeface="Wingdings"/>
               </a:rPr>
-              <a:t>irst()</a:t>
-            </a:r>
+              <a:t>()  		 find(”</a:t>
+            </a:r>
+            <a:r>
+              <a:rPr lang="en-US" dirty="0" smtClean="0">
+                <a:solidFill>
+                  <a:srgbClr val="FF0000"/>
+                </a:solidFill>
+                <a:sym typeface="Wingdings"/>
+              </a:rPr>
+              <a:t>div</a:t>
+            </a:r>
+            <a:r>
+              <a:rPr lang="en-US" dirty="0" smtClean="0">
+                <a:sym typeface="Wingdings"/>
+              </a:rPr>
+              <a:t>”).first()   returns </a:t>
+            </a:r>
+            <a:r>
+              <a:rPr lang="en-US" dirty="0" smtClean="0">
+                <a:solidFill>
+                  <a:srgbClr val="FF0000"/>
+                </a:solidFill>
+                <a:sym typeface="Wingdings"/>
+              </a:rPr>
+              <a:t>ONE</a:t>
+            </a:r>
+            <a:r>
+              <a:rPr lang="en-US" dirty="0" smtClean="0">
+                <a:sym typeface="Wingdings"/>
+              </a:rPr>
+              <a:t> &lt;div&gt; if it exists</a:t>
+            </a:r>
+            <a:endParaRPr lang="en-US" dirty="0" smtClean="0">
+              <a:sym typeface="Wingdings"/>
+            </a:endParaRPr>
           </a:p>
           <a:p>
             <a:pPr marL="631825" lvl="1" indent="-342900">

--- a/lesson-react-70-testing/react-testing.pptx
+++ b/lesson-react-70-testing/react-testing.pptx
@@ -1974,7 +1974,7 @@
           <a:noFill/>
           <a:extLst>
             <a:ext uri="{909E8E84-426E-40dd-AFC4-6F175D3DCCD1}">
-              <a14:hiddenFill xmlns:a14="http://schemas.microsoft.com/office/drawing/2010/main" xmlns="">
+              <a14:hiddenFill xmlns="" xmlns:a14="http://schemas.microsoft.com/office/drawing/2010/main">
                 <a:solidFill>
                   <a:srgbClr val="FFFFFF"/>
                 </a:solidFill>
@@ -12019,11 +12019,7 @@
             </a:r>
             <a:r>
               <a:rPr lang="en-US" dirty="0" smtClean="0"/>
-              <a:t>]}&gt; &lt;</a:t>
-            </a:r>
-            <a:r>
-              <a:rPr lang="en-US" dirty="0" smtClean="0"/>
-              <a:t>span&gt;Click Here&lt;/span&gt;</a:t>
+              <a:t>]}&gt; &lt;span&gt;Click Here&lt;/span&gt;</a:t>
             </a:r>
             <a:r>
               <a:rPr lang="en-US" dirty="0"/>
@@ -12640,15 +12636,7 @@
             </a:r>
             <a:r>
               <a:rPr lang="en-US" dirty="0"/>
-              <a:t>={[Function</a:t>
-            </a:r>
-            <a:r>
-              <a:rPr lang="en-US" dirty="0"/>
-              <a:t>]}&gt; &lt;span&gt;Click Here&lt;/span&gt; </a:t>
-            </a:r>
-            <a:r>
-              <a:rPr lang="en-US" dirty="0"/>
-              <a:t/>
+              <a:t>={[Function]}&gt; &lt;span&gt;Click Here&lt;/span&gt; </a:t>
             </a:r>
             <a:br>
               <a:rPr lang="en-US" dirty="0"/>
@@ -13011,15 +12999,7 @@
             </a:r>
             <a:r>
               <a:rPr lang="en-US" dirty="0"/>
-              <a:t>={[Function</a:t>
-            </a:r>
-            <a:r>
-              <a:rPr lang="en-US" dirty="0"/>
-              <a:t>]}&gt; &lt;span&gt;Click Here&lt;/span&gt; </a:t>
-            </a:r>
-            <a:r>
-              <a:rPr lang="en-US" dirty="0"/>
-              <a:t/>
+              <a:t>={[Function]}&gt; &lt;span&gt;Click Here&lt;/span&gt; </a:t>
             </a:r>
             <a:br>
               <a:rPr lang="en-US" dirty="0"/>
@@ -13390,15 +13370,7 @@
             </a:r>
             <a:r>
               <a:rPr lang="en-US" dirty="0"/>
-              <a:t>={[Function</a:t>
-            </a:r>
-            <a:r>
-              <a:rPr lang="en-US" dirty="0"/>
-              <a:t>]}&gt; &lt;span&gt;Click Here&lt;/span&gt; </a:t>
-            </a:r>
-            <a:r>
-              <a:rPr lang="en-US" dirty="0"/>
-              <a:t/>
+              <a:t>={[Function]}&gt; &lt;span&gt;Click Here&lt;/span&gt; </a:t>
             </a:r>
             <a:br>
               <a:rPr lang="en-US" dirty="0"/>
@@ -13769,15 +13741,7 @@
             </a:r>
             <a:r>
               <a:rPr lang="en-US" dirty="0"/>
-              <a:t>={[Function</a:t>
-            </a:r>
-            <a:r>
-              <a:rPr lang="en-US" dirty="0"/>
-              <a:t>]}&gt; &lt;span&gt;Click Here&lt;/span&gt; </a:t>
-            </a:r>
-            <a:r>
-              <a:rPr lang="en-US" dirty="0"/>
-              <a:t/>
+              <a:t>={[Function]}&gt; &lt;span&gt;Click Here&lt;/span&gt; </a:t>
             </a:r>
             <a:br>
               <a:rPr lang="en-US" dirty="0"/>
@@ -14351,11 +14315,7 @@
             </a:r>
             <a:r>
               <a:rPr lang="en-US" dirty="0" smtClean="0"/>
-              <a:t>]}&gt; &lt;</a:t>
-            </a:r>
-            <a:r>
-              <a:rPr lang="en-US" dirty="0" smtClean="0"/>
-              <a:t>span&gt;Click Here&lt;/span&gt;</a:t>
+              <a:t>]}&gt; &lt;span&gt;Click Here&lt;/span&gt;</a:t>
             </a:r>
             <a:r>
               <a:rPr lang="en-US" dirty="0"/>
@@ -14643,15 +14603,7 @@
             </a:r>
             <a:r>
               <a:rPr lang="en-US" dirty="0"/>
-              <a:t>={[Function</a:t>
-            </a:r>
-            <a:r>
-              <a:rPr lang="en-US" dirty="0"/>
-              <a:t>]}&gt; &lt;span&gt;Click Here&lt;/span&gt; </a:t>
-            </a:r>
-            <a:r>
-              <a:rPr lang="en-US" dirty="0"/>
-              <a:t/>
+              <a:t>={[Function]}&gt; &lt;span&gt;Click Here&lt;/span&gt; </a:t>
             </a:r>
             <a:br>
               <a:rPr lang="en-US" dirty="0"/>
@@ -14961,15 +14913,7 @@
             </a:r>
             <a:r>
               <a:rPr lang="en-US" dirty="0"/>
-              <a:t>={[Function</a:t>
-            </a:r>
-            <a:r>
-              <a:rPr lang="en-US" dirty="0"/>
-              <a:t>]}&gt; &lt;span&gt;Click Here&lt;/span&gt; </a:t>
-            </a:r>
-            <a:r>
-              <a:rPr lang="en-US" dirty="0"/>
-              <a:t/>
+              <a:t>={[Function]}&gt; &lt;span&gt;Click Here&lt;/span&gt; </a:t>
             </a:r>
             <a:br>
               <a:rPr lang="en-US" dirty="0"/>
@@ -15133,7 +15077,7 @@
                   <a:srgbClr val="FF0000"/>
                 </a:solidFill>
               </a:rPr>
-              <a:t>[0].</a:t>
+              <a:t>[1].</a:t>
             </a:r>
             <a:r>
               <a:rPr lang="en-US" dirty="0" err="1" smtClean="0">
@@ -15320,15 +15264,7 @@
             </a:r>
             <a:r>
               <a:rPr lang="en-US" dirty="0"/>
-              <a:t>={[Function</a:t>
-            </a:r>
-            <a:r>
-              <a:rPr lang="en-US" dirty="0"/>
-              <a:t>]}&gt; &lt;span&gt;Click Here&lt;/span&gt; </a:t>
-            </a:r>
-            <a:r>
-              <a:rPr lang="en-US" dirty="0"/>
-              <a:t/>
+              <a:t>={[Function]}&gt; &lt;span&gt;Click Here&lt;/span&gt; </a:t>
             </a:r>
             <a:br>
               <a:rPr lang="en-US" dirty="0"/>
@@ -15479,20 +15415,12 @@
               <a:buChar char="•"/>
             </a:pPr>
             <a:r>
-              <a:rPr lang="en-US" dirty="0" err="1">
-                <a:solidFill>
-                  <a:srgbClr val="FF0000"/>
-                </a:solidFill>
-              </a:rPr>
-              <a:t>c</a:t>
-            </a:r>
-            <a:r>
               <a:rPr lang="en-US" dirty="0" err="1" smtClean="0">
                 <a:solidFill>
                   <a:srgbClr val="FF0000"/>
                 </a:solidFill>
               </a:rPr>
-              <a:t>omp.children</a:t>
+              <a:t>comp.children</a:t>
             </a:r>
             <a:r>
               <a:rPr lang="en-US" dirty="0" smtClean="0">
@@ -15500,7 +15428,7 @@
                   <a:srgbClr val="FF0000"/>
                 </a:solidFill>
               </a:rPr>
-              <a:t>[0].</a:t>
+              <a:t>[1].</a:t>
             </a:r>
             <a:r>
               <a:rPr lang="en-US" dirty="0" err="1" smtClean="0">
@@ -15598,7 +15526,7 @@
             </a:r>
             <a:r>
               <a:rPr lang="en-US" dirty="0" smtClean="0"/>
-              <a:t>[0].</a:t>
+              <a:t>[1].</a:t>
             </a:r>
             <a:r>
               <a:rPr lang="en-US" dirty="0" err="1" smtClean="0"/>
@@ -16542,11 +16470,6 @@
               </a:rPr>
               <a:t>Examples:</a:t>
             </a:r>
-            <a:endParaRPr lang="en-US" dirty="0" smtClean="0">
-              <a:solidFill>
-                <a:srgbClr val="FF0000"/>
-              </a:solidFill>
-            </a:endParaRPr>
           </a:p>
         </p:txBody>
       </p:sp>
@@ -16680,13 +16603,7 @@
               <a:rPr lang="en-US" dirty="0" smtClean="0">
                 <a:sym typeface="Wingdings"/>
               </a:rPr>
-              <a:t> with string </a:t>
-            </a:r>
-            <a:r>
-              <a:rPr lang="en-US" dirty="0" smtClean="0">
-                <a:sym typeface="Wingdings"/>
-              </a:rPr>
-              <a:t>selector, ”</a:t>
+              <a:t> with string selector, ”</a:t>
             </a:r>
             <a:r>
               <a:rPr lang="en-US" dirty="0" err="1" smtClean="0">
@@ -16731,32 +16648,23 @@
               <a:rPr lang="en-US" dirty="0" smtClean="0">
                 <a:sym typeface="Wingdings"/>
               </a:rPr>
-              <a:t> type of element (a String in shallow</a:t>
+              <a:t> type of element (a String in shallow), “</a:t>
+            </a:r>
+            <a:r>
+              <a:rPr lang="en-US" dirty="0" smtClean="0">
+                <a:solidFill>
+                  <a:srgbClr val="FF0000"/>
+                </a:solidFill>
+                <a:sym typeface="Wingdings"/>
+              </a:rPr>
+              <a:t>div</a:t>
             </a:r>
             <a:r>
               <a:rPr lang="en-US" dirty="0" smtClean="0">
                 <a:sym typeface="Wingdings"/>
               </a:rPr>
-              <a:t>), “</a:t>
-            </a:r>
-            <a:r>
-              <a:rPr lang="en-US" dirty="0" smtClean="0">
-                <a:solidFill>
-                  <a:srgbClr val="FF0000"/>
-                </a:solidFill>
-                <a:sym typeface="Wingdings"/>
-              </a:rPr>
-              <a:t>div</a:t>
-            </a:r>
-            <a:r>
-              <a:rPr lang="en-US" dirty="0" smtClean="0">
-                <a:sym typeface="Wingdings"/>
-              </a:rPr>
               <a:t>”</a:t>
             </a:r>
-            <a:endParaRPr lang="en-US" dirty="0" smtClean="0">
-              <a:sym typeface="Wingdings"/>
-            </a:endParaRPr>
           </a:p>
           <a:p>
             <a:pPr marL="631825" lvl="1" indent="-342900">
@@ -17030,179 +16938,152 @@
                 </a:solidFill>
                 <a:sym typeface="Wingdings"/>
               </a:rPr>
-              <a:t>.</a:t>
-            </a:r>
-            <a:r>
-              <a:rPr lang="en-US" dirty="0" smtClean="0">
-                <a:solidFill>
-                  <a:srgbClr val="FF0000"/>
-                </a:solidFill>
-                <a:sym typeface="Wingdings"/>
-              </a:rPr>
-              <a:t>block</a:t>
+              <a:t>.block</a:t>
             </a:r>
             <a:r>
               <a:rPr lang="en-US" dirty="0" smtClean="0">
                 <a:sym typeface="Wingdings"/>
               </a:rPr>
-              <a:t>’, </a:t>
+              <a:t>’,   ‘</a:t>
+            </a:r>
+            <a:r>
+              <a:rPr lang="en-US" dirty="0" err="1" smtClean="0">
+                <a:solidFill>
+                  <a:srgbClr val="FF0000"/>
+                </a:solidFill>
+                <a:sym typeface="Wingdings"/>
+              </a:rPr>
+              <a:t>p.none</a:t>
             </a:r>
             <a:r>
               <a:rPr lang="en-US" dirty="0" smtClean="0">
                 <a:sym typeface="Wingdings"/>
               </a:rPr>
-              <a:t>  ‘</a:t>
-            </a:r>
-            <a:r>
-              <a:rPr lang="en-US" dirty="0" err="1" smtClean="0">
-                <a:solidFill>
-                  <a:srgbClr val="FF0000"/>
-                </a:solidFill>
-                <a:sym typeface="Wingdings"/>
-              </a:rPr>
-              <a:t>p.none</a:t>
-            </a:r>
+              <a:t>’</a:t>
+            </a:r>
+          </a:p>
+          <a:p>
+            <a:pPr marL="631825" lvl="1" indent="-342900">
+              <a:buFont typeface="Arial" charset="0"/>
+              <a:buChar char="•"/>
+            </a:pPr>
             <a:r>
               <a:rPr lang="en-US" dirty="0" smtClean="0">
                 <a:sym typeface="Wingdings"/>
               </a:rPr>
-              <a:t>’</a:t>
-            </a:r>
-          </a:p>
-          <a:p>
-            <a:pPr marL="631825" lvl="1" indent="-342900">
-              <a:buFont typeface="Arial" charset="0"/>
-              <a:buChar char="•"/>
-            </a:pPr>
+              <a:t>ID  ‘</a:t>
+            </a:r>
+            <a:r>
+              <a:rPr lang="en-US" dirty="0" smtClean="0">
+                <a:solidFill>
+                  <a:srgbClr val="FF0000"/>
+                </a:solidFill>
+                <a:sym typeface="Wingdings"/>
+              </a:rPr>
+              <a:t>#</a:t>
+            </a:r>
+            <a:r>
+              <a:rPr lang="en-US" dirty="0" err="1" smtClean="0">
+                <a:solidFill>
+                  <a:srgbClr val="FF0000"/>
+                </a:solidFill>
+                <a:sym typeface="Wingdings"/>
+              </a:rPr>
+              <a:t>myComponentId</a:t>
+            </a:r>
             <a:r>
               <a:rPr lang="en-US" dirty="0" smtClean="0">
                 <a:sym typeface="Wingdings"/>
               </a:rPr>
-              <a:t>ID  ‘</a:t>
-            </a:r>
-            <a:r>
-              <a:rPr lang="en-US" dirty="0" smtClean="0">
-                <a:solidFill>
-                  <a:srgbClr val="FF0000"/>
-                </a:solidFill>
-                <a:sym typeface="Wingdings"/>
-              </a:rPr>
-              <a:t>#</a:t>
-            </a:r>
-            <a:r>
-              <a:rPr lang="en-US" dirty="0" err="1" smtClean="0">
-                <a:solidFill>
-                  <a:srgbClr val="FF0000"/>
-                </a:solidFill>
-                <a:sym typeface="Wingdings"/>
-              </a:rPr>
-              <a:t>myComponentId</a:t>
-            </a:r>
+              <a:t>’</a:t>
+            </a:r>
+          </a:p>
+          <a:p>
+            <a:pPr marL="342900" indent="-342900">
+              <a:buFont typeface="Arial" charset="0"/>
+              <a:buChar char="•"/>
+            </a:pPr>
             <a:r>
               <a:rPr lang="en-US" dirty="0" smtClean="0">
                 <a:sym typeface="Wingdings"/>
               </a:rPr>
-              <a:t>’</a:t>
-            </a:r>
-            <a:endParaRPr lang="en-US" dirty="0" smtClean="0">
-              <a:sym typeface="Wingdings"/>
-            </a:endParaRPr>
-          </a:p>
-          <a:p>
-            <a:pPr marL="342900" indent="-342900">
-              <a:buFont typeface="Arial" charset="0"/>
-              <a:buChar char="•"/>
-            </a:pPr>
+              <a:t>Returns a </a:t>
+            </a:r>
+            <a:r>
+              <a:rPr lang="en-US" dirty="0" smtClean="0">
+                <a:solidFill>
+                  <a:srgbClr val="FF0000"/>
+                </a:solidFill>
+                <a:sym typeface="Wingdings"/>
+              </a:rPr>
+              <a:t>COPY</a:t>
+            </a:r>
             <a:r>
               <a:rPr lang="en-US" dirty="0" smtClean="0">
                 <a:sym typeface="Wingdings"/>
               </a:rPr>
-              <a:t>Returns a </a:t>
-            </a:r>
-            <a:r>
-              <a:rPr lang="en-US" dirty="0" smtClean="0">
-                <a:solidFill>
-                  <a:srgbClr val="FF0000"/>
-                </a:solidFill>
-                <a:sym typeface="Wingdings"/>
-              </a:rPr>
-              <a:t>COPY</a:t>
-            </a:r>
+              <a:t> of the element, not a reference</a:t>
+            </a:r>
+          </a:p>
+          <a:p>
+            <a:pPr marL="342900" indent="-342900">
+              <a:buFont typeface="Arial" charset="0"/>
+              <a:buChar char="•"/>
+            </a:pPr>
             <a:r>
               <a:rPr lang="en-US" dirty="0" smtClean="0">
                 <a:sym typeface="Wingdings"/>
               </a:rPr>
-              <a:t> of the element, not a reference</a:t>
-            </a:r>
-          </a:p>
-          <a:p>
-            <a:pPr marL="342900" indent="-342900">
-              <a:buFont typeface="Arial" charset="0"/>
-              <a:buChar char="•"/>
-            </a:pPr>
+              <a:t>Also selector methods</a:t>
+            </a:r>
+          </a:p>
+          <a:p>
+            <a:pPr marL="631825" lvl="1" indent="-342900">
+              <a:buFont typeface="Arial" charset="0"/>
+              <a:buChar char="•"/>
+            </a:pPr>
+            <a:r>
+              <a:rPr lang="en-US" dirty="0">
+                <a:sym typeface="Wingdings"/>
+              </a:rPr>
+              <a:t>f</a:t>
+            </a:r>
             <a:r>
               <a:rPr lang="en-US" dirty="0" smtClean="0">
                 <a:sym typeface="Wingdings"/>
               </a:rPr>
-              <a:t>Also selector methods</a:t>
-            </a:r>
-          </a:p>
-          <a:p>
-            <a:pPr marL="631825" lvl="1" indent="-342900">
-              <a:buFont typeface="Arial" charset="0"/>
-              <a:buChar char="•"/>
-            </a:pPr>
-            <a:r>
-              <a:rPr lang="en-US" dirty="0">
+              <a:t>irst()  		 find(”</a:t>
+            </a:r>
+            <a:r>
+              <a:rPr lang="en-US" dirty="0" smtClean="0">
+                <a:solidFill>
+                  <a:srgbClr val="FF0000"/>
+                </a:solidFill>
                 <a:sym typeface="Wingdings"/>
               </a:rPr>
-              <a:t>f</a:t>
+              <a:t>div</a:t>
             </a:r>
             <a:r>
               <a:rPr lang="en-US" dirty="0" smtClean="0">
                 <a:sym typeface="Wingdings"/>
               </a:rPr>
-              <a:t>irst</a:t>
+              <a:t>”).first()   returns </a:t>
+            </a:r>
+            <a:r>
+              <a:rPr lang="en-US" dirty="0" smtClean="0">
+                <a:solidFill>
+                  <a:srgbClr val="FF0000"/>
+                </a:solidFill>
+                <a:sym typeface="Wingdings"/>
+              </a:rPr>
+              <a:t>ONE</a:t>
             </a:r>
             <a:r>
               <a:rPr lang="en-US" dirty="0" smtClean="0">
                 <a:sym typeface="Wingdings"/>
               </a:rPr>
-              <a:t>()  		 find(”</a:t>
-            </a:r>
-            <a:r>
-              <a:rPr lang="en-US" dirty="0" smtClean="0">
-                <a:solidFill>
-                  <a:srgbClr val="FF0000"/>
-                </a:solidFill>
-                <a:sym typeface="Wingdings"/>
-              </a:rPr>
-              <a:t>div</a:t>
-            </a:r>
-            <a:r>
-              <a:rPr lang="en-US" dirty="0" smtClean="0">
-                <a:sym typeface="Wingdings"/>
-              </a:rPr>
-              <a:t>”).first()   returns </a:t>
-            </a:r>
-            <a:r>
-              <a:rPr lang="en-US" dirty="0" smtClean="0">
-                <a:solidFill>
-                  <a:srgbClr val="FF0000"/>
-                </a:solidFill>
-                <a:sym typeface="Wingdings"/>
-              </a:rPr>
-              <a:t>ONE</a:t>
-            </a:r>
-            <a:r>
-              <a:rPr lang="en-US" dirty="0" smtClean="0">
-                <a:sym typeface="Wingdings"/>
-              </a:rPr>
               <a:t> &lt;div&gt; if it exists</a:t>
             </a:r>
-            <a:endParaRPr lang="en-US" dirty="0" smtClean="0">
-              <a:sym typeface="Wingdings"/>
-            </a:endParaRPr>
           </a:p>
           <a:p>
             <a:pPr marL="631825" lvl="1" indent="-342900">

--- a/lesson-react-70-testing/react-testing.pptx
+++ b/lesson-react-70-testing/react-testing.pptx
@@ -17798,11 +17798,23 @@
                   <a:srgbClr val="008000"/>
                 </a:solidFill>
               </a:rPr>
-              <a:t>'should have one child'</a:t>
+              <a:t>'should have </a:t>
+            </a:r>
+            <a:r>
+              <a:rPr lang="en-US" sz="1600" b="1" dirty="0" smtClean="0">
+                <a:solidFill>
+                  <a:srgbClr val="008000"/>
+                </a:solidFill>
+              </a:rPr>
+              <a:t>two children'</a:t>
+            </a:r>
+            <a:r>
+              <a:rPr lang="en-US" sz="1600" dirty="0" smtClean="0"/>
+              <a:t>, </a:t>
             </a:r>
             <a:r>
               <a:rPr lang="en-US" sz="1600" dirty="0"/>
-              <a:t>, () =&gt; {</a:t>
+              <a:t>() =&gt; {</a:t>
             </a:r>
             <a:br>
               <a:rPr lang="en-US" sz="1600" dirty="0"/>
